--- a/slides/Requirements Engineering.pptx
+++ b/slides/Requirements Engineering.pptx
@@ -63,10 +63,7 @@
     <p:sldId id="333" r:id="rId57"/>
     <p:sldId id="334" r:id="rId58"/>
     <p:sldId id="335" r:id="rId59"/>
-    <p:sldId id="336" r:id="rId60"/>
-    <p:sldId id="337" r:id="rId61"/>
-    <p:sldId id="338" r:id="rId62"/>
-    <p:sldId id="339" r:id="rId63"/>
+    <p:sldId id="339" r:id="rId60"/>
   </p:sldIdLst>
   <p:sldSz cx="12192000" cy="6858000"/>
   <p:notesSz cx="6858000" cy="9144000"/>
@@ -241,7 +238,7 @@
           <a:noFill/>
           <a:extLst>
             <a:ext uri="{909E8E84-426E-40dd-AFC4-6F175D3DCCD1}">
-              <a14:hiddenFill xmlns="" xmlns:a14="http://schemas.microsoft.com/office/drawing/2010/main">
+              <a14:hiddenFill xmlns:a14="http://schemas.microsoft.com/office/drawing/2010/main" xmlns="">
                 <a:solidFill>
                   <a:srgbClr val="FFFFFF"/>
                 </a:solidFill>
@@ -300,7 +297,7 @@
             </a:ln>
             <a:extLst>
               <a:ext uri="{91240B29-F687-4f45-9708-019B960494DF}">
-                <a14:hiddenLine xmlns="" xmlns:a14="http://schemas.microsoft.com/office/drawing/2010/main" w="9525">
+                <a14:hiddenLine xmlns:a14="http://schemas.microsoft.com/office/drawing/2010/main" xmlns="" w="9525">
                   <a:solidFill>
                     <a:srgbClr val="000000"/>
                   </a:solidFill>
@@ -390,7 +387,7 @@
             </a:ln>
             <a:extLst>
               <a:ext uri="{91240B29-F687-4f45-9708-019B960494DF}">
-                <a14:hiddenLine xmlns="" xmlns:a14="http://schemas.microsoft.com/office/drawing/2010/main" w="9525">
+                <a14:hiddenLine xmlns:a14="http://schemas.microsoft.com/office/drawing/2010/main" xmlns="" w="9525">
                   <a:solidFill>
                     <a:srgbClr val="000000"/>
                   </a:solidFill>
@@ -480,7 +477,7 @@
             </a:ln>
             <a:extLst>
               <a:ext uri="{91240B29-F687-4f45-9708-019B960494DF}">
-                <a14:hiddenLine xmlns="" xmlns:a14="http://schemas.microsoft.com/office/drawing/2010/main" w="9525">
+                <a14:hiddenLine xmlns:a14="http://schemas.microsoft.com/office/drawing/2010/main" xmlns="" w="9525">
                   <a:solidFill>
                     <a:srgbClr val="000000"/>
                   </a:solidFill>
@@ -514,7 +511,7 @@
             </a:ln>
             <a:extLst>
               <a:ext uri="{91240B29-F687-4f45-9708-019B960494DF}">
-                <a14:hiddenLine xmlns="" xmlns:a14="http://schemas.microsoft.com/office/drawing/2010/main" w="9525">
+                <a14:hiddenLine xmlns:a14="http://schemas.microsoft.com/office/drawing/2010/main" xmlns="" w="9525">
                   <a:solidFill>
                     <a:srgbClr val="000000"/>
                   </a:solidFill>
@@ -604,7 +601,7 @@
             </a:ln>
             <a:extLst>
               <a:ext uri="{91240B29-F687-4f45-9708-019B960494DF}">
-                <a14:hiddenLine xmlns="" xmlns:a14="http://schemas.microsoft.com/office/drawing/2010/main" w="9525">
+                <a14:hiddenLine xmlns:a14="http://schemas.microsoft.com/office/drawing/2010/main" xmlns="" w="9525">
                   <a:solidFill>
                     <a:srgbClr val="000000"/>
                   </a:solidFill>
@@ -666,7 +663,7 @@
             </a:ln>
             <a:extLst>
               <a:ext uri="{91240B29-F687-4f45-9708-019B960494DF}">
-                <a14:hiddenLine xmlns="" xmlns:a14="http://schemas.microsoft.com/office/drawing/2010/main" w="9525">
+                <a14:hiddenLine xmlns:a14="http://schemas.microsoft.com/office/drawing/2010/main" xmlns="" w="9525">
                   <a:solidFill>
                     <a:srgbClr val="000000"/>
                   </a:solidFill>
@@ -728,7 +725,7 @@
             </a:ln>
             <a:extLst>
               <a:ext uri="{91240B29-F687-4f45-9708-019B960494DF}">
-                <a14:hiddenLine xmlns="" xmlns:a14="http://schemas.microsoft.com/office/drawing/2010/main" w="9525">
+                <a14:hiddenLine xmlns:a14="http://schemas.microsoft.com/office/drawing/2010/main" xmlns="" w="9525">
                   <a:solidFill>
                     <a:srgbClr val="000000"/>
                   </a:solidFill>
@@ -818,7 +815,7 @@
             </a:ln>
             <a:extLst>
               <a:ext uri="{91240B29-F687-4f45-9708-019B960494DF}">
-                <a14:hiddenLine xmlns="" xmlns:a14="http://schemas.microsoft.com/office/drawing/2010/main" w="9525">
+                <a14:hiddenLine xmlns:a14="http://schemas.microsoft.com/office/drawing/2010/main" xmlns="" w="9525">
                   <a:solidFill>
                     <a:srgbClr val="000000"/>
                   </a:solidFill>
@@ -880,7 +877,7 @@
             </a:ln>
             <a:extLst>
               <a:ext uri="{91240B29-F687-4f45-9708-019B960494DF}">
-                <a14:hiddenLine xmlns="" xmlns:a14="http://schemas.microsoft.com/office/drawing/2010/main" w="9525">
+                <a14:hiddenLine xmlns:a14="http://schemas.microsoft.com/office/drawing/2010/main" xmlns="" w="9525">
                   <a:solidFill>
                     <a:srgbClr val="000000"/>
                   </a:solidFill>
@@ -942,7 +939,7 @@
             </a:ln>
             <a:extLst>
               <a:ext uri="{91240B29-F687-4f45-9708-019B960494DF}">
-                <a14:hiddenLine xmlns="" xmlns:a14="http://schemas.microsoft.com/office/drawing/2010/main" w="9525">
+                <a14:hiddenLine xmlns:a14="http://schemas.microsoft.com/office/drawing/2010/main" xmlns="" w="9525">
                   <a:solidFill>
                     <a:srgbClr val="000000"/>
                   </a:solidFill>
@@ -1032,7 +1029,7 @@
             </a:ln>
             <a:extLst>
               <a:ext uri="{91240B29-F687-4f45-9708-019B960494DF}">
-                <a14:hiddenLine xmlns="" xmlns:a14="http://schemas.microsoft.com/office/drawing/2010/main" w="9525">
+                <a14:hiddenLine xmlns:a14="http://schemas.microsoft.com/office/drawing/2010/main" xmlns="" w="9525">
                   <a:solidFill>
                     <a:srgbClr val="000000"/>
                   </a:solidFill>
@@ -1122,7 +1119,7 @@
             </a:ln>
             <a:extLst>
               <a:ext uri="{91240B29-F687-4f45-9708-019B960494DF}">
-                <a14:hiddenLine xmlns="" xmlns:a14="http://schemas.microsoft.com/office/drawing/2010/main" w="9525">
+                <a14:hiddenLine xmlns:a14="http://schemas.microsoft.com/office/drawing/2010/main" xmlns="" w="9525">
                   <a:solidFill>
                     <a:srgbClr val="000000"/>
                   </a:solidFill>
@@ -1184,7 +1181,7 @@
             </a:ln>
             <a:extLst>
               <a:ext uri="{91240B29-F687-4f45-9708-019B960494DF}">
-                <a14:hiddenLine xmlns="" xmlns:a14="http://schemas.microsoft.com/office/drawing/2010/main" w="9525">
+                <a14:hiddenLine xmlns:a14="http://schemas.microsoft.com/office/drawing/2010/main" xmlns="" w="9525">
                   <a:solidFill>
                     <a:srgbClr val="000000"/>
                   </a:solidFill>
@@ -1294,7 +1291,7 @@
             </a:ln>
             <a:extLst>
               <a:ext uri="{91240B29-F687-4f45-9708-019B960494DF}">
-                <a14:hiddenLine xmlns="" xmlns:a14="http://schemas.microsoft.com/office/drawing/2010/main" w="9525">
+                <a14:hiddenLine xmlns:a14="http://schemas.microsoft.com/office/drawing/2010/main" xmlns="" w="9525">
                   <a:solidFill>
                     <a:srgbClr val="000000"/>
                   </a:solidFill>
@@ -1356,7 +1353,7 @@
             </a:ln>
             <a:extLst>
               <a:ext uri="{91240B29-F687-4f45-9708-019B960494DF}">
-                <a14:hiddenLine xmlns="" xmlns:a14="http://schemas.microsoft.com/office/drawing/2010/main" w="9525">
+                <a14:hiddenLine xmlns:a14="http://schemas.microsoft.com/office/drawing/2010/main" xmlns="" w="9525">
                   <a:solidFill>
                     <a:srgbClr val="000000"/>
                   </a:solidFill>
@@ -1446,7 +1443,7 @@
             </a:ln>
             <a:extLst>
               <a:ext uri="{91240B29-F687-4f45-9708-019B960494DF}">
-                <a14:hiddenLine xmlns="" xmlns:a14="http://schemas.microsoft.com/office/drawing/2010/main" w="9525">
+                <a14:hiddenLine xmlns:a14="http://schemas.microsoft.com/office/drawing/2010/main" xmlns="" w="9525">
                   <a:solidFill>
                     <a:srgbClr val="000000"/>
                   </a:solidFill>
@@ -1536,7 +1533,7 @@
             </a:ln>
             <a:extLst>
               <a:ext uri="{91240B29-F687-4f45-9708-019B960494DF}">
-                <a14:hiddenLine xmlns="" xmlns:a14="http://schemas.microsoft.com/office/drawing/2010/main" w="9525">
+                <a14:hiddenLine xmlns:a14="http://schemas.microsoft.com/office/drawing/2010/main" xmlns="" w="9525">
                   <a:solidFill>
                     <a:srgbClr val="000000"/>
                   </a:solidFill>
@@ -1598,7 +1595,7 @@
             </a:ln>
             <a:extLst>
               <a:ext uri="{91240B29-F687-4f45-9708-019B960494DF}">
-                <a14:hiddenLine xmlns="" xmlns:a14="http://schemas.microsoft.com/office/drawing/2010/main" w="9525">
+                <a14:hiddenLine xmlns:a14="http://schemas.microsoft.com/office/drawing/2010/main" xmlns="" w="9525">
                   <a:solidFill>
                     <a:srgbClr val="000000"/>
                   </a:solidFill>
@@ -1688,7 +1685,7 @@
             </a:ln>
             <a:extLst>
               <a:ext uri="{91240B29-F687-4f45-9708-019B960494DF}">
-                <a14:hiddenLine xmlns="" xmlns:a14="http://schemas.microsoft.com/office/drawing/2010/main" w="9525">
+                <a14:hiddenLine xmlns:a14="http://schemas.microsoft.com/office/drawing/2010/main" xmlns="" w="9525">
                   <a:solidFill>
                     <a:srgbClr val="000000"/>
                   </a:solidFill>
@@ -1778,7 +1775,7 @@
             </a:ln>
             <a:extLst>
               <a:ext uri="{91240B29-F687-4f45-9708-019B960494DF}">
-                <a14:hiddenLine xmlns="" xmlns:a14="http://schemas.microsoft.com/office/drawing/2010/main" w="9525">
+                <a14:hiddenLine xmlns:a14="http://schemas.microsoft.com/office/drawing/2010/main" xmlns="" w="9525">
                   <a:solidFill>
                     <a:srgbClr val="000000"/>
                   </a:solidFill>
@@ -1834,7 +1831,7 @@
             </a:ln>
             <a:extLst>
               <a:ext uri="{91240B29-F687-4f45-9708-019B960494DF}">
-                <a14:hiddenLine xmlns="" xmlns:a14="http://schemas.microsoft.com/office/drawing/2010/main" w="9525">
+                <a14:hiddenLine xmlns:a14="http://schemas.microsoft.com/office/drawing/2010/main" xmlns="" w="9525">
                   <a:solidFill>
                     <a:srgbClr val="000000"/>
                   </a:solidFill>
@@ -1924,7 +1921,7 @@
             </a:ln>
             <a:extLst>
               <a:ext uri="{91240B29-F687-4f45-9708-019B960494DF}">
-                <a14:hiddenLine xmlns="" xmlns:a14="http://schemas.microsoft.com/office/drawing/2010/main" w="9525">
+                <a14:hiddenLine xmlns:a14="http://schemas.microsoft.com/office/drawing/2010/main" xmlns="" w="9525">
                   <a:solidFill>
                     <a:srgbClr val="000000"/>
                   </a:solidFill>
@@ -1980,7 +1977,7 @@
             </a:ln>
             <a:extLst>
               <a:ext uri="{91240B29-F687-4f45-9708-019B960494DF}">
-                <a14:hiddenLine xmlns="" xmlns:a14="http://schemas.microsoft.com/office/drawing/2010/main" w="9525">
+                <a14:hiddenLine xmlns:a14="http://schemas.microsoft.com/office/drawing/2010/main" xmlns="" w="9525">
                   <a:solidFill>
                     <a:srgbClr val="000000"/>
                   </a:solidFill>
@@ -2070,7 +2067,7 @@
             </a:ln>
             <a:extLst>
               <a:ext uri="{91240B29-F687-4f45-9708-019B960494DF}">
-                <a14:hiddenLine xmlns="" xmlns:a14="http://schemas.microsoft.com/office/drawing/2010/main" w="9525">
+                <a14:hiddenLine xmlns:a14="http://schemas.microsoft.com/office/drawing/2010/main" xmlns="" w="9525">
                   <a:solidFill>
                     <a:srgbClr val="000000"/>
                   </a:solidFill>
@@ -2138,7 +2135,7 @@
             </a:ln>
             <a:extLst>
               <a:ext uri="{91240B29-F687-4f45-9708-019B960494DF}">
-                <a14:hiddenLine xmlns="" xmlns:a14="http://schemas.microsoft.com/office/drawing/2010/main" w="9525">
+                <a14:hiddenLine xmlns:a14="http://schemas.microsoft.com/office/drawing/2010/main" xmlns="" w="9525">
                   <a:solidFill>
                     <a:srgbClr val="000000"/>
                   </a:solidFill>
@@ -2228,7 +2225,7 @@
             </a:ln>
             <a:extLst>
               <a:ext uri="{91240B29-F687-4f45-9708-019B960494DF}">
-                <a14:hiddenLine xmlns="" xmlns:a14="http://schemas.microsoft.com/office/drawing/2010/main" w="9525">
+                <a14:hiddenLine xmlns:a14="http://schemas.microsoft.com/office/drawing/2010/main" xmlns="" w="9525">
                   <a:solidFill>
                     <a:srgbClr val="000000"/>
                   </a:solidFill>
@@ -2296,7 +2293,7 @@
             </a:ln>
             <a:extLst>
               <a:ext uri="{91240B29-F687-4f45-9708-019B960494DF}">
-                <a14:hiddenLine xmlns="" xmlns:a14="http://schemas.microsoft.com/office/drawing/2010/main" w="9525">
+                <a14:hiddenLine xmlns:a14="http://schemas.microsoft.com/office/drawing/2010/main" xmlns="" w="9525">
                   <a:solidFill>
                     <a:srgbClr val="000000"/>
                   </a:solidFill>
@@ -2386,7 +2383,7 @@
             </a:ln>
             <a:extLst>
               <a:ext uri="{91240B29-F687-4f45-9708-019B960494DF}">
-                <a14:hiddenLine xmlns="" xmlns:a14="http://schemas.microsoft.com/office/drawing/2010/main" w="9525">
+                <a14:hiddenLine xmlns:a14="http://schemas.microsoft.com/office/drawing/2010/main" xmlns="" w="9525">
                   <a:solidFill>
                     <a:srgbClr val="000000"/>
                   </a:solidFill>
@@ -2420,7 +2417,7 @@
             </a:ln>
             <a:extLst>
               <a:ext uri="{91240B29-F687-4f45-9708-019B960494DF}">
-                <a14:hiddenLine xmlns="" xmlns:a14="http://schemas.microsoft.com/office/drawing/2010/main" w="9525">
+                <a14:hiddenLine xmlns:a14="http://schemas.microsoft.com/office/drawing/2010/main" xmlns="" w="9525">
                   <a:solidFill>
                     <a:srgbClr val="000000"/>
                   </a:solidFill>
@@ -2510,7 +2507,7 @@
             </a:ln>
             <a:extLst>
               <a:ext uri="{91240B29-F687-4f45-9708-019B960494DF}">
-                <a14:hiddenLine xmlns="" xmlns:a14="http://schemas.microsoft.com/office/drawing/2010/main" w="9525">
+                <a14:hiddenLine xmlns:a14="http://schemas.microsoft.com/office/drawing/2010/main" xmlns="" w="9525">
                   <a:solidFill>
                     <a:srgbClr val="000000"/>
                   </a:solidFill>
@@ -2572,7 +2569,7 @@
             </a:ln>
             <a:extLst>
               <a:ext uri="{91240B29-F687-4f45-9708-019B960494DF}">
-                <a14:hiddenLine xmlns="" xmlns:a14="http://schemas.microsoft.com/office/drawing/2010/main" w="9525">
+                <a14:hiddenLine xmlns:a14="http://schemas.microsoft.com/office/drawing/2010/main" xmlns="" w="9525">
                   <a:solidFill>
                     <a:srgbClr val="000000"/>
                   </a:solidFill>
@@ -2634,7 +2631,7 @@
             </a:ln>
             <a:extLst>
               <a:ext uri="{91240B29-F687-4f45-9708-019B960494DF}">
-                <a14:hiddenLine xmlns="" xmlns:a14="http://schemas.microsoft.com/office/drawing/2010/main" w="9525">
+                <a14:hiddenLine xmlns:a14="http://schemas.microsoft.com/office/drawing/2010/main" xmlns="" w="9525">
                   <a:solidFill>
                     <a:srgbClr val="000000"/>
                   </a:solidFill>
@@ -2724,7 +2721,7 @@
             </a:ln>
             <a:extLst>
               <a:ext uri="{91240B29-F687-4f45-9708-019B960494DF}">
-                <a14:hiddenLine xmlns="" xmlns:a14="http://schemas.microsoft.com/office/drawing/2010/main" w="9525">
+                <a14:hiddenLine xmlns:a14="http://schemas.microsoft.com/office/drawing/2010/main" xmlns="" w="9525">
                   <a:solidFill>
                     <a:srgbClr val="000000"/>
                   </a:solidFill>
@@ -2792,7 +2789,7 @@
             </a:ln>
             <a:extLst>
               <a:ext uri="{91240B29-F687-4f45-9708-019B960494DF}">
-                <a14:hiddenLine xmlns="" xmlns:a14="http://schemas.microsoft.com/office/drawing/2010/main" w="9525">
+                <a14:hiddenLine xmlns:a14="http://schemas.microsoft.com/office/drawing/2010/main" xmlns="" w="9525">
                   <a:solidFill>
                     <a:srgbClr val="000000"/>
                   </a:solidFill>
@@ -2854,7 +2851,7 @@
             </a:ln>
             <a:extLst>
               <a:ext uri="{91240B29-F687-4f45-9708-019B960494DF}">
-                <a14:hiddenLine xmlns="" xmlns:a14="http://schemas.microsoft.com/office/drawing/2010/main" w="9525">
+                <a14:hiddenLine xmlns:a14="http://schemas.microsoft.com/office/drawing/2010/main" xmlns="" w="9525">
                   <a:solidFill>
                     <a:srgbClr val="000000"/>
                   </a:solidFill>
@@ -2944,7 +2941,7 @@
             </a:ln>
             <a:extLst>
               <a:ext uri="{91240B29-F687-4f45-9708-019B960494DF}">
-                <a14:hiddenLine xmlns="" xmlns:a14="http://schemas.microsoft.com/office/drawing/2010/main" w="9525">
+                <a14:hiddenLine xmlns:a14="http://schemas.microsoft.com/office/drawing/2010/main" xmlns="" w="9525">
                   <a:solidFill>
                     <a:srgbClr val="000000"/>
                   </a:solidFill>
@@ -3006,7 +3003,7 @@
             </a:ln>
             <a:extLst>
               <a:ext uri="{91240B29-F687-4f45-9708-019B960494DF}">
-                <a14:hiddenLine xmlns="" xmlns:a14="http://schemas.microsoft.com/office/drawing/2010/main" w="9525">
+                <a14:hiddenLine xmlns:a14="http://schemas.microsoft.com/office/drawing/2010/main" xmlns="" w="9525">
                   <a:solidFill>
                     <a:srgbClr val="000000"/>
                   </a:solidFill>
@@ -3096,7 +3093,7 @@
             </a:ln>
             <a:extLst>
               <a:ext uri="{91240B29-F687-4f45-9708-019B960494DF}">
-                <a14:hiddenLine xmlns="" xmlns:a14="http://schemas.microsoft.com/office/drawing/2010/main" w="9525">
+                <a14:hiddenLine xmlns:a14="http://schemas.microsoft.com/office/drawing/2010/main" xmlns="" w="9525">
                   <a:solidFill>
                     <a:srgbClr val="000000"/>
                   </a:solidFill>
@@ -3158,7 +3155,7 @@
             </a:ln>
             <a:extLst>
               <a:ext uri="{91240B29-F687-4f45-9708-019B960494DF}">
-                <a14:hiddenLine xmlns="" xmlns:a14="http://schemas.microsoft.com/office/drawing/2010/main" w="9525">
+                <a14:hiddenLine xmlns:a14="http://schemas.microsoft.com/office/drawing/2010/main" xmlns="" w="9525">
                   <a:solidFill>
                     <a:srgbClr val="000000"/>
                   </a:solidFill>
@@ -3248,7 +3245,7 @@
             </a:ln>
             <a:extLst>
               <a:ext uri="{91240B29-F687-4f45-9708-019B960494DF}">
-                <a14:hiddenLine xmlns="" xmlns:a14="http://schemas.microsoft.com/office/drawing/2010/main" w="9525">
+                <a14:hiddenLine xmlns:a14="http://schemas.microsoft.com/office/drawing/2010/main" xmlns="" w="9525">
                   <a:solidFill>
                     <a:srgbClr val="000000"/>
                   </a:solidFill>
@@ -3282,7 +3279,7 @@
             </a:ln>
             <a:extLst>
               <a:ext uri="{91240B29-F687-4f45-9708-019B960494DF}">
-                <a14:hiddenLine xmlns="" xmlns:a14="http://schemas.microsoft.com/office/drawing/2010/main" w="9525">
+                <a14:hiddenLine xmlns:a14="http://schemas.microsoft.com/office/drawing/2010/main" xmlns="" w="9525">
                   <a:solidFill>
                     <a:srgbClr val="000000"/>
                   </a:solidFill>
@@ -3347,7 +3344,7 @@
             </a:ln>
             <a:extLst>
               <a:ext uri="{91240B29-F687-4f45-9708-019B960494DF}">
-                <a14:hiddenLine xmlns="" xmlns:a14="http://schemas.microsoft.com/office/drawing/2010/main" w="9525">
+                <a14:hiddenLine xmlns:a14="http://schemas.microsoft.com/office/drawing/2010/main" xmlns="" w="9525">
                   <a:solidFill>
                     <a:srgbClr val="000000"/>
                   </a:solidFill>
@@ -3437,7 +3434,7 @@
             </a:ln>
             <a:extLst>
               <a:ext uri="{91240B29-F687-4f45-9708-019B960494DF}">
-                <a14:hiddenLine xmlns="" xmlns:a14="http://schemas.microsoft.com/office/drawing/2010/main" w="9525">
+                <a14:hiddenLine xmlns:a14="http://schemas.microsoft.com/office/drawing/2010/main" xmlns="" w="9525">
                   <a:solidFill>
                     <a:srgbClr val="000000"/>
                   </a:solidFill>
@@ -3499,7 +3496,7 @@
             </a:ln>
             <a:extLst>
               <a:ext uri="{91240B29-F687-4f45-9708-019B960494DF}">
-                <a14:hiddenLine xmlns="" xmlns:a14="http://schemas.microsoft.com/office/drawing/2010/main" w="9525">
+                <a14:hiddenLine xmlns:a14="http://schemas.microsoft.com/office/drawing/2010/main" xmlns="" w="9525">
                   <a:solidFill>
                     <a:srgbClr val="000000"/>
                   </a:solidFill>
@@ -3589,7 +3586,7 @@
             </a:ln>
             <a:extLst>
               <a:ext uri="{91240B29-F687-4f45-9708-019B960494DF}">
-                <a14:hiddenLine xmlns="" xmlns:a14="http://schemas.microsoft.com/office/drawing/2010/main" w="9525">
+                <a14:hiddenLine xmlns:a14="http://schemas.microsoft.com/office/drawing/2010/main" xmlns="" w="9525">
                   <a:solidFill>
                     <a:srgbClr val="000000"/>
                   </a:solidFill>
@@ -3679,7 +3676,7 @@
             </a:ln>
             <a:extLst>
               <a:ext uri="{91240B29-F687-4f45-9708-019B960494DF}">
-                <a14:hiddenLine xmlns="" xmlns:a14="http://schemas.microsoft.com/office/drawing/2010/main" w="9525">
+                <a14:hiddenLine xmlns:a14="http://schemas.microsoft.com/office/drawing/2010/main" xmlns="" w="9525">
                   <a:solidFill>
                     <a:srgbClr val="000000"/>
                   </a:solidFill>
@@ -3744,7 +3741,7 @@
             </a:ln>
             <a:extLst>
               <a:ext uri="{91240B29-F687-4f45-9708-019B960494DF}">
-                <a14:hiddenLine xmlns="" xmlns:a14="http://schemas.microsoft.com/office/drawing/2010/main" w="9525">
+                <a14:hiddenLine xmlns:a14="http://schemas.microsoft.com/office/drawing/2010/main" xmlns="" w="9525">
                   <a:solidFill>
                     <a:srgbClr val="000000"/>
                   </a:solidFill>
@@ -3806,7 +3803,7 @@
             </a:ln>
             <a:extLst>
               <a:ext uri="{91240B29-F687-4f45-9708-019B960494DF}">
-                <a14:hiddenLine xmlns="" xmlns:a14="http://schemas.microsoft.com/office/drawing/2010/main" w="9525">
+                <a14:hiddenLine xmlns:a14="http://schemas.microsoft.com/office/drawing/2010/main" xmlns="" w="9525">
                   <a:solidFill>
                     <a:srgbClr val="000000"/>
                   </a:solidFill>
@@ -3896,7 +3893,7 @@
             </a:ln>
             <a:extLst>
               <a:ext uri="{91240B29-F687-4f45-9708-019B960494DF}">
-                <a14:hiddenLine xmlns="" xmlns:a14="http://schemas.microsoft.com/office/drawing/2010/main" w="9525">
+                <a14:hiddenLine xmlns:a14="http://schemas.microsoft.com/office/drawing/2010/main" xmlns="" w="9525">
                   <a:solidFill>
                     <a:srgbClr val="000000"/>
                   </a:solidFill>
@@ -3986,7 +3983,7 @@
             </a:ln>
             <a:extLst>
               <a:ext uri="{91240B29-F687-4f45-9708-019B960494DF}">
-                <a14:hiddenLine xmlns="" xmlns:a14="http://schemas.microsoft.com/office/drawing/2010/main" w="9525">
+                <a14:hiddenLine xmlns:a14="http://schemas.microsoft.com/office/drawing/2010/main" xmlns="" w="9525">
                   <a:solidFill>
                     <a:srgbClr val="000000"/>
                   </a:solidFill>
@@ -4048,7 +4045,7 @@
             </a:ln>
             <a:extLst>
               <a:ext uri="{91240B29-F687-4f45-9708-019B960494DF}">
-                <a14:hiddenLine xmlns="" xmlns:a14="http://schemas.microsoft.com/office/drawing/2010/main" w="9525">
+                <a14:hiddenLine xmlns:a14="http://schemas.microsoft.com/office/drawing/2010/main" xmlns="" w="9525">
                   <a:solidFill>
                     <a:srgbClr val="000000"/>
                   </a:solidFill>
@@ -4168,7 +4165,7 @@
             </a:ln>
             <a:extLst>
               <a:ext uri="{91240B29-F687-4f45-9708-019B960494DF}">
-                <a14:hiddenLine xmlns="" xmlns:a14="http://schemas.microsoft.com/office/drawing/2010/main" w="9525">
+                <a14:hiddenLine xmlns:a14="http://schemas.microsoft.com/office/drawing/2010/main" xmlns="" w="9525">
                   <a:solidFill>
                     <a:srgbClr val="000000"/>
                   </a:solidFill>
@@ -4236,7 +4233,7 @@
             </a:ln>
             <a:extLst>
               <a:ext uri="{91240B29-F687-4f45-9708-019B960494DF}">
-                <a14:hiddenLine xmlns="" xmlns:a14="http://schemas.microsoft.com/office/drawing/2010/main" w="9525">
+                <a14:hiddenLine xmlns:a14="http://schemas.microsoft.com/office/drawing/2010/main" xmlns="" w="9525">
                   <a:solidFill>
                     <a:srgbClr val="000000"/>
                   </a:solidFill>
@@ -4326,7 +4323,7 @@
             </a:ln>
             <a:extLst>
               <a:ext uri="{91240B29-F687-4f45-9708-019B960494DF}">
-                <a14:hiddenLine xmlns="" xmlns:a14="http://schemas.microsoft.com/office/drawing/2010/main" w="9525">
+                <a14:hiddenLine xmlns:a14="http://schemas.microsoft.com/office/drawing/2010/main" xmlns="" w="9525">
                   <a:solidFill>
                     <a:srgbClr val="000000"/>
                   </a:solidFill>
@@ -9200,7 +9197,7 @@
           <a:noFill/>
           <a:extLst>
             <a:ext uri="{909E8E84-426E-40dd-AFC4-6F175D3DCCD1}">
-              <a14:hiddenFill xmlns="" xmlns:a14="http://schemas.microsoft.com/office/drawing/2010/main">
+              <a14:hiddenFill xmlns:a14="http://schemas.microsoft.com/office/drawing/2010/main" xmlns="">
                 <a:solidFill>
                   <a:srgbClr val="FFFFFF"/>
                 </a:solidFill>
@@ -9274,7 +9271,7 @@
               </a:ln>
               <a:extLst>
                 <a:ext uri="{91240B29-F687-4f45-9708-019B960494DF}">
-                  <a14:hiddenLine xmlns="" xmlns:a14="http://schemas.microsoft.com/office/drawing/2010/main" w="9525">
+                  <a14:hiddenLine xmlns:a14="http://schemas.microsoft.com/office/drawing/2010/main" xmlns="" w="9525">
                     <a:solidFill>
                       <a:srgbClr val="000000"/>
                     </a:solidFill>
@@ -9364,7 +9361,7 @@
               </a:ln>
               <a:extLst>
                 <a:ext uri="{91240B29-F687-4f45-9708-019B960494DF}">
-                  <a14:hiddenLine xmlns="" xmlns:a14="http://schemas.microsoft.com/office/drawing/2010/main" w="9525">
+                  <a14:hiddenLine xmlns:a14="http://schemas.microsoft.com/office/drawing/2010/main" xmlns="" w="9525">
                     <a:solidFill>
                       <a:srgbClr val="000000"/>
                     </a:solidFill>
@@ -9454,7 +9451,7 @@
               </a:ln>
               <a:extLst>
                 <a:ext uri="{91240B29-F687-4f45-9708-019B960494DF}">
-                  <a14:hiddenLine xmlns="" xmlns:a14="http://schemas.microsoft.com/office/drawing/2010/main" w="9525">
+                  <a14:hiddenLine xmlns:a14="http://schemas.microsoft.com/office/drawing/2010/main" xmlns="" w="9525">
                     <a:solidFill>
                       <a:srgbClr val="000000"/>
                     </a:solidFill>
@@ -9516,7 +9513,7 @@
               </a:ln>
               <a:extLst>
                 <a:ext uri="{91240B29-F687-4f45-9708-019B960494DF}">
-                  <a14:hiddenLine xmlns="" xmlns:a14="http://schemas.microsoft.com/office/drawing/2010/main" w="9525">
+                  <a14:hiddenLine xmlns:a14="http://schemas.microsoft.com/office/drawing/2010/main" xmlns="" w="9525">
                     <a:solidFill>
                       <a:srgbClr val="000000"/>
                     </a:solidFill>
@@ -9606,7 +9603,7 @@
               </a:ln>
               <a:extLst>
                 <a:ext uri="{91240B29-F687-4f45-9708-019B960494DF}">
-                  <a14:hiddenLine xmlns="" xmlns:a14="http://schemas.microsoft.com/office/drawing/2010/main" w="9525">
+                  <a14:hiddenLine xmlns:a14="http://schemas.microsoft.com/office/drawing/2010/main" xmlns="" w="9525">
                     <a:solidFill>
                       <a:srgbClr val="000000"/>
                     </a:solidFill>
@@ -9668,7 +9665,7 @@
               </a:ln>
               <a:extLst>
                 <a:ext uri="{91240B29-F687-4f45-9708-019B960494DF}">
-                  <a14:hiddenLine xmlns="" xmlns:a14="http://schemas.microsoft.com/office/drawing/2010/main" w="9525">
+                  <a14:hiddenLine xmlns:a14="http://schemas.microsoft.com/office/drawing/2010/main" xmlns="" w="9525">
                     <a:solidFill>
                       <a:srgbClr val="000000"/>
                     </a:solidFill>
@@ -9730,7 +9727,7 @@
               </a:ln>
               <a:extLst>
                 <a:ext uri="{91240B29-F687-4f45-9708-019B960494DF}">
-                  <a14:hiddenLine xmlns="" xmlns:a14="http://schemas.microsoft.com/office/drawing/2010/main" w="9525">
+                  <a14:hiddenLine xmlns:a14="http://schemas.microsoft.com/office/drawing/2010/main" xmlns="" w="9525">
                     <a:solidFill>
                       <a:srgbClr val="000000"/>
                     </a:solidFill>
@@ -9820,7 +9817,7 @@
               </a:ln>
               <a:extLst>
                 <a:ext uri="{91240B29-F687-4f45-9708-019B960494DF}">
-                  <a14:hiddenLine xmlns="" xmlns:a14="http://schemas.microsoft.com/office/drawing/2010/main" w="9525">
+                  <a14:hiddenLine xmlns:a14="http://schemas.microsoft.com/office/drawing/2010/main" xmlns="" w="9525">
                     <a:solidFill>
                       <a:srgbClr val="000000"/>
                     </a:solidFill>
@@ -9910,7 +9907,7 @@
               </a:ln>
               <a:extLst>
                 <a:ext uri="{91240B29-F687-4f45-9708-019B960494DF}">
-                  <a14:hiddenLine xmlns="" xmlns:a14="http://schemas.microsoft.com/office/drawing/2010/main" w="9525">
+                  <a14:hiddenLine xmlns:a14="http://schemas.microsoft.com/office/drawing/2010/main" xmlns="" w="9525">
                     <a:solidFill>
                       <a:srgbClr val="000000"/>
                     </a:solidFill>
@@ -9972,7 +9969,7 @@
               </a:ln>
               <a:extLst>
                 <a:ext uri="{91240B29-F687-4f45-9708-019B960494DF}">
-                  <a14:hiddenLine xmlns="" xmlns:a14="http://schemas.microsoft.com/office/drawing/2010/main" w="9525">
+                  <a14:hiddenLine xmlns:a14="http://schemas.microsoft.com/office/drawing/2010/main" xmlns="" w="9525">
                     <a:solidFill>
                       <a:srgbClr val="000000"/>
                     </a:solidFill>
@@ -10082,7 +10079,7 @@
               </a:ln>
               <a:extLst>
                 <a:ext uri="{91240B29-F687-4f45-9708-019B960494DF}">
-                  <a14:hiddenLine xmlns="" xmlns:a14="http://schemas.microsoft.com/office/drawing/2010/main" w="9525">
+                  <a14:hiddenLine xmlns:a14="http://schemas.microsoft.com/office/drawing/2010/main" xmlns="" w="9525">
                     <a:solidFill>
                       <a:srgbClr val="000000"/>
                     </a:solidFill>
@@ -10166,7 +10163,7 @@
               </a:ln>
               <a:extLst>
                 <a:ext uri="{91240B29-F687-4f45-9708-019B960494DF}">
-                  <a14:hiddenLine xmlns="" xmlns:a14="http://schemas.microsoft.com/office/drawing/2010/main" w="9525">
+                  <a14:hiddenLine xmlns:a14="http://schemas.microsoft.com/office/drawing/2010/main" xmlns="" w="9525">
                     <a:solidFill>
                       <a:srgbClr val="000000"/>
                     </a:solidFill>
@@ -10228,7 +10225,7 @@
               </a:ln>
               <a:extLst>
                 <a:ext uri="{91240B29-F687-4f45-9708-019B960494DF}">
-                  <a14:hiddenLine xmlns="" xmlns:a14="http://schemas.microsoft.com/office/drawing/2010/main" w="9525">
+                  <a14:hiddenLine xmlns:a14="http://schemas.microsoft.com/office/drawing/2010/main" xmlns="" w="9525">
                     <a:solidFill>
                       <a:srgbClr val="000000"/>
                     </a:solidFill>
@@ -10290,7 +10287,7 @@
               </a:ln>
               <a:extLst>
                 <a:ext uri="{91240B29-F687-4f45-9708-019B960494DF}">
-                  <a14:hiddenLine xmlns="" xmlns:a14="http://schemas.microsoft.com/office/drawing/2010/main" w="9525">
+                  <a14:hiddenLine xmlns:a14="http://schemas.microsoft.com/office/drawing/2010/main" xmlns="" w="9525">
                     <a:solidFill>
                       <a:srgbClr val="000000"/>
                     </a:solidFill>
@@ -10380,7 +10377,7 @@
               </a:ln>
               <a:extLst>
                 <a:ext uri="{91240B29-F687-4f45-9708-019B960494DF}">
-                  <a14:hiddenLine xmlns="" xmlns:a14="http://schemas.microsoft.com/office/drawing/2010/main" w="9525">
+                  <a14:hiddenLine xmlns:a14="http://schemas.microsoft.com/office/drawing/2010/main" xmlns="" w="9525">
                     <a:solidFill>
                       <a:srgbClr val="000000"/>
                     </a:solidFill>
@@ -10414,7 +10411,7 @@
               </a:ln>
               <a:extLst>
                 <a:ext uri="{91240B29-F687-4f45-9708-019B960494DF}">
-                  <a14:hiddenLine xmlns="" xmlns:a14="http://schemas.microsoft.com/office/drawing/2010/main" w="9525">
+                  <a14:hiddenLine xmlns:a14="http://schemas.microsoft.com/office/drawing/2010/main" xmlns="" w="9525">
                     <a:solidFill>
                       <a:srgbClr val="000000"/>
                     </a:solidFill>
@@ -10479,7 +10476,7 @@
               </a:ln>
               <a:extLst>
                 <a:ext uri="{91240B29-F687-4f45-9708-019B960494DF}">
-                  <a14:hiddenLine xmlns="" xmlns:a14="http://schemas.microsoft.com/office/drawing/2010/main" w="9525">
+                  <a14:hiddenLine xmlns:a14="http://schemas.microsoft.com/office/drawing/2010/main" xmlns="" w="9525">
                     <a:solidFill>
                       <a:srgbClr val="000000"/>
                     </a:solidFill>
@@ -10569,7 +10566,7 @@
               </a:ln>
               <a:extLst>
                 <a:ext uri="{91240B29-F687-4f45-9708-019B960494DF}">
-                  <a14:hiddenLine xmlns="" xmlns:a14="http://schemas.microsoft.com/office/drawing/2010/main" w="9525">
+                  <a14:hiddenLine xmlns:a14="http://schemas.microsoft.com/office/drawing/2010/main" xmlns="" w="9525">
                     <a:solidFill>
                       <a:srgbClr val="000000"/>
                     </a:solidFill>
@@ -10631,7 +10628,7 @@
               </a:ln>
               <a:extLst>
                 <a:ext uri="{91240B29-F687-4f45-9708-019B960494DF}">
-                  <a14:hiddenLine xmlns="" xmlns:a14="http://schemas.microsoft.com/office/drawing/2010/main" w="9525">
+                  <a14:hiddenLine xmlns:a14="http://schemas.microsoft.com/office/drawing/2010/main" xmlns="" w="9525">
                     <a:solidFill>
                       <a:srgbClr val="000000"/>
                     </a:solidFill>
@@ -10721,7 +10718,7 @@
               </a:ln>
               <a:extLst>
                 <a:ext uri="{91240B29-F687-4f45-9708-019B960494DF}">
-                  <a14:hiddenLine xmlns="" xmlns:a14="http://schemas.microsoft.com/office/drawing/2010/main" w="9525">
+                  <a14:hiddenLine xmlns:a14="http://schemas.microsoft.com/office/drawing/2010/main" xmlns="" w="9525">
                     <a:solidFill>
                       <a:srgbClr val="000000"/>
                     </a:solidFill>
@@ -10786,7 +10783,7 @@
               </a:ln>
               <a:extLst>
                 <a:ext uri="{91240B29-F687-4f45-9708-019B960494DF}">
-                  <a14:hiddenLine xmlns="" xmlns:a14="http://schemas.microsoft.com/office/drawing/2010/main" w="9525">
+                  <a14:hiddenLine xmlns:a14="http://schemas.microsoft.com/office/drawing/2010/main" xmlns="" w="9525">
                     <a:solidFill>
                       <a:srgbClr val="000000"/>
                     </a:solidFill>
@@ -10848,7 +10845,7 @@
               </a:ln>
               <a:extLst>
                 <a:ext uri="{91240B29-F687-4f45-9708-019B960494DF}">
-                  <a14:hiddenLine xmlns="" xmlns:a14="http://schemas.microsoft.com/office/drawing/2010/main" w="9525">
+                  <a14:hiddenLine xmlns:a14="http://schemas.microsoft.com/office/drawing/2010/main" xmlns="" w="9525">
                     <a:solidFill>
                       <a:srgbClr val="000000"/>
                     </a:solidFill>
@@ -10938,7 +10935,7 @@
               </a:ln>
               <a:extLst>
                 <a:ext uri="{91240B29-F687-4f45-9708-019B960494DF}">
-                  <a14:hiddenLine xmlns="" xmlns:a14="http://schemas.microsoft.com/office/drawing/2010/main" w="9525">
+                  <a14:hiddenLine xmlns:a14="http://schemas.microsoft.com/office/drawing/2010/main" xmlns="" w="9525">
                     <a:solidFill>
                       <a:srgbClr val="000000"/>
                     </a:solidFill>
@@ -11028,7 +11025,7 @@
               </a:ln>
               <a:extLst>
                 <a:ext uri="{91240B29-F687-4f45-9708-019B960494DF}">
-                  <a14:hiddenLine xmlns="" xmlns:a14="http://schemas.microsoft.com/office/drawing/2010/main" w="9525">
+                  <a14:hiddenLine xmlns:a14="http://schemas.microsoft.com/office/drawing/2010/main" xmlns="" w="9525">
                     <a:solidFill>
                       <a:srgbClr val="000000"/>
                     </a:solidFill>
@@ -11093,7 +11090,7 @@
               </a:ln>
               <a:extLst>
                 <a:ext uri="{91240B29-F687-4f45-9708-019B960494DF}">
-                  <a14:hiddenLine xmlns="" xmlns:a14="http://schemas.microsoft.com/office/drawing/2010/main" w="9525">
+                  <a14:hiddenLine xmlns:a14="http://schemas.microsoft.com/office/drawing/2010/main" xmlns="" w="9525">
                     <a:solidFill>
                       <a:srgbClr val="000000"/>
                     </a:solidFill>
@@ -11213,7 +11210,7 @@
               </a:ln>
               <a:extLst>
                 <a:ext uri="{91240B29-F687-4f45-9708-019B960494DF}">
-                  <a14:hiddenLine xmlns="" xmlns:a14="http://schemas.microsoft.com/office/drawing/2010/main" w="9525">
+                  <a14:hiddenLine xmlns:a14="http://schemas.microsoft.com/office/drawing/2010/main" xmlns="" w="9525">
                     <a:solidFill>
                       <a:srgbClr val="000000"/>
                     </a:solidFill>
@@ -11294,7 +11291,7 @@
               </a:ln>
               <a:extLst>
                 <a:ext uri="{91240B29-F687-4f45-9708-019B960494DF}">
-                  <a14:hiddenLine xmlns="" xmlns:a14="http://schemas.microsoft.com/office/drawing/2010/main" w="9525">
+                  <a14:hiddenLine xmlns:a14="http://schemas.microsoft.com/office/drawing/2010/main" xmlns="" w="9525">
                     <a:solidFill>
                       <a:srgbClr val="000000"/>
                     </a:solidFill>
@@ -11409,7 +11406,7 @@
               </a:ln>
               <a:extLst>
                 <a:ext uri="{91240B29-F687-4f45-9708-019B960494DF}">
-                  <a14:hiddenLine xmlns="" xmlns:a14="http://schemas.microsoft.com/office/drawing/2010/main" w="9525">
+                  <a14:hiddenLine xmlns:a14="http://schemas.microsoft.com/office/drawing/2010/main" xmlns="" w="9525">
                     <a:solidFill>
                       <a:srgbClr val="000000"/>
                     </a:solidFill>
@@ -11499,7 +11496,7 @@
               </a:ln>
               <a:extLst>
                 <a:ext uri="{91240B29-F687-4f45-9708-019B960494DF}">
-                  <a14:hiddenLine xmlns="" xmlns:a14="http://schemas.microsoft.com/office/drawing/2010/main" w="9525">
+                  <a14:hiddenLine xmlns:a14="http://schemas.microsoft.com/office/drawing/2010/main" xmlns="" w="9525">
                     <a:solidFill>
                       <a:srgbClr val="000000"/>
                     </a:solidFill>
@@ -11564,7 +11561,7 @@
               </a:ln>
               <a:extLst>
                 <a:ext uri="{91240B29-F687-4f45-9708-019B960494DF}">
-                  <a14:hiddenLine xmlns="" xmlns:a14="http://schemas.microsoft.com/office/drawing/2010/main" w="9525">
+                  <a14:hiddenLine xmlns:a14="http://schemas.microsoft.com/office/drawing/2010/main" xmlns="" w="9525">
                     <a:solidFill>
                       <a:srgbClr val="000000"/>
                     </a:solidFill>
@@ -11654,7 +11651,7 @@
               </a:ln>
               <a:extLst>
                 <a:ext uri="{91240B29-F687-4f45-9708-019B960494DF}">
-                  <a14:hiddenLine xmlns="" xmlns:a14="http://schemas.microsoft.com/office/drawing/2010/main" w="9525">
+                  <a14:hiddenLine xmlns:a14="http://schemas.microsoft.com/office/drawing/2010/main" xmlns="" w="9525">
                     <a:solidFill>
                       <a:srgbClr val="000000"/>
                     </a:solidFill>
@@ -11722,7 +11719,7 @@
               </a:ln>
               <a:extLst>
                 <a:ext uri="{91240B29-F687-4f45-9708-019B960494DF}">
-                  <a14:hiddenLine xmlns="" xmlns:a14="http://schemas.microsoft.com/office/drawing/2010/main" w="9525">
+                  <a14:hiddenLine xmlns:a14="http://schemas.microsoft.com/office/drawing/2010/main" xmlns="" w="9525">
                     <a:solidFill>
                       <a:srgbClr val="000000"/>
                     </a:solidFill>
@@ -11812,7 +11809,7 @@
               </a:ln>
               <a:extLst>
                 <a:ext uri="{91240B29-F687-4f45-9708-019B960494DF}">
-                  <a14:hiddenLine xmlns="" xmlns:a14="http://schemas.microsoft.com/office/drawing/2010/main" w="9525">
+                  <a14:hiddenLine xmlns:a14="http://schemas.microsoft.com/office/drawing/2010/main" xmlns="" w="9525">
                     <a:solidFill>
                       <a:srgbClr val="000000"/>
                     </a:solidFill>
@@ -11880,7 +11877,7 @@
               </a:ln>
               <a:extLst>
                 <a:ext uri="{91240B29-F687-4f45-9708-019B960494DF}">
-                  <a14:hiddenLine xmlns="" xmlns:a14="http://schemas.microsoft.com/office/drawing/2010/main" w="9525">
+                  <a14:hiddenLine xmlns:a14="http://schemas.microsoft.com/office/drawing/2010/main" xmlns="" w="9525">
                     <a:solidFill>
                       <a:srgbClr val="000000"/>
                     </a:solidFill>
@@ -11970,7 +11967,7 @@
               </a:ln>
               <a:extLst>
                 <a:ext uri="{91240B29-F687-4f45-9708-019B960494DF}">
-                  <a14:hiddenLine xmlns="" xmlns:a14="http://schemas.microsoft.com/office/drawing/2010/main" w="9525">
+                  <a14:hiddenLine xmlns:a14="http://schemas.microsoft.com/office/drawing/2010/main" xmlns="" w="9525">
                     <a:solidFill>
                       <a:srgbClr val="000000"/>
                     </a:solidFill>
@@ -12004,7 +12001,7 @@
               </a:ln>
               <a:extLst>
                 <a:ext uri="{91240B29-F687-4f45-9708-019B960494DF}">
-                  <a14:hiddenLine xmlns="" xmlns:a14="http://schemas.microsoft.com/office/drawing/2010/main" w="9525">
+                  <a14:hiddenLine xmlns:a14="http://schemas.microsoft.com/office/drawing/2010/main" xmlns="" w="9525">
                     <a:solidFill>
                       <a:srgbClr val="000000"/>
                     </a:solidFill>
@@ -19646,7 +19643,7 @@
           <p:cNvPr id="2" name="Title 1">
             <a:extLst>
               <a:ext uri="{FF2B5EF4-FFF2-40B4-BE49-F238E27FC236}">
-                <a16:creationId xmlns:a16="http://schemas.microsoft.com/office/drawing/2014/main" id="{DF7C395F-0D1F-0D40-A52F-38E97795FE73}"/>
+                <a16:creationId xmlns:a16="http://schemas.microsoft.com/office/drawing/2014/main" id="{78D9AC05-20D6-7F46-8F1C-C965B2D5617F}"/>
               </a:ext>
             </a:extLst>
           </p:cNvPr>
@@ -19664,7 +19661,7 @@
           <a:p>
             <a:r>
               <a:rPr lang="en-US" dirty="0"/>
-              <a:t>UP versus Agile</a:t>
+              <a:t>Material covered</a:t>
             </a:r>
           </a:p>
         </p:txBody>
@@ -19674,7 +19671,7 @@
           <p:cNvPr id="3" name="Content Placeholder 2">
             <a:extLst>
               <a:ext uri="{FF2B5EF4-FFF2-40B4-BE49-F238E27FC236}">
-                <a16:creationId xmlns:a16="http://schemas.microsoft.com/office/drawing/2014/main" id="{886131EC-9C84-9C4A-902A-66B98D1172C0}"/>
+                <a16:creationId xmlns:a16="http://schemas.microsoft.com/office/drawing/2014/main" id="{BC96A8AC-CECC-A64F-B6FB-22124376D17A}"/>
               </a:ext>
             </a:extLst>
           </p:cNvPr>
@@ -19688,60 +19685,35 @@
         <p:spPr/>
         <p:txBody>
           <a:bodyPr>
-            <a:normAutofit fontScale="77500" lnSpcReduction="20000"/>
+            <a:normAutofit/>
           </a:bodyPr>
           <a:lstStyle/>
           <a:p>
-            <a:pPr marL="0" indent="0">
-              <a:buNone/>
-            </a:pPr>
-            <a:r>
-              <a:rPr lang="en-US" i="1" dirty="0"/>
-              <a:t>The Agile Manifesto</a:t>
-            </a:r>
-          </a:p>
-          <a:p>
-            <a:pPr marL="0" indent="0">
-              <a:buNone/>
-            </a:pPr>
-            <a:r>
-              <a:rPr lang="en-US" dirty="0"/>
-              <a:t>"We are uncovering better ways of developing software by doing it and helping others do it. Through this work we have come to value:"</a:t>
-            </a:r>
-          </a:p>
-          <a:p>
-            <a:r>
-              <a:rPr lang="en-US" dirty="0"/>
-              <a:t>Individuals and interactions over processes and tools</a:t>
-            </a:r>
-          </a:p>
-          <a:p>
-            <a:r>
-              <a:rPr lang="en-US" dirty="0"/>
-              <a:t>Working software over comprehensive documentation</a:t>
-            </a:r>
-          </a:p>
-          <a:p>
-            <a:r>
-              <a:rPr lang="en-US" dirty="0"/>
-              <a:t>Customer collaboration over contract negotiation</a:t>
-            </a:r>
-          </a:p>
-          <a:p>
-            <a:r>
-              <a:rPr lang="en-US" dirty="0"/>
-              <a:t>Responding to change over following a plan</a:t>
-            </a:r>
-          </a:p>
-          <a:p>
-            <a:endParaRPr lang="en-US" dirty="0"/>
+            <a:r>
+              <a:rPr lang="en-US" dirty="0"/>
+              <a:t>Rational Unified Process Whitepaper - available on the MSO website</a:t>
+            </a:r>
+          </a:p>
+          <a:p>
+            <a:r>
+              <a:rPr lang="en-US" dirty="0"/>
+              <a:t>Craig </a:t>
+            </a:r>
+            <a:r>
+              <a:rPr lang="en-US" dirty="0" err="1"/>
+              <a:t>Larman</a:t>
+            </a:r>
+            <a:r>
+              <a:rPr lang="en-US" dirty="0"/>
+              <a:t>. Applying UML and Patterns. Pearson Education. 2002. Chapters 1-7</a:t>
+            </a:r>
           </a:p>
         </p:txBody>
       </p:sp>
     </p:spTree>
     <p:extLst>
       <p:ext uri="{BB962C8B-B14F-4D97-AF65-F5344CB8AC3E}">
-        <p14:creationId xmlns:p14="http://schemas.microsoft.com/office/powerpoint/2010/main" val="1760290626"/>
+        <p14:creationId xmlns:p14="http://schemas.microsoft.com/office/powerpoint/2010/main" val="1471185114"/>
       </p:ext>
     </p:extLst>
   </p:cSld>
@@ -19903,315 +19875,6 @@
     <p:extLst>
       <p:ext uri="{BB962C8B-B14F-4D97-AF65-F5344CB8AC3E}">
         <p14:creationId xmlns:p14="http://schemas.microsoft.com/office/powerpoint/2010/main" val="4092709995"/>
-      </p:ext>
-    </p:extLst>
-  </p:cSld>
-  <p:clrMapOvr>
-    <a:masterClrMapping/>
-  </p:clrMapOvr>
-</p:sld>
-</file>
-
-<file path=ppt/slides/slide60.xml><?xml version="1.0" encoding="utf-8"?>
-<p:sld xmlns:a="http://schemas.openxmlformats.org/drawingml/2006/main" xmlns:r="http://schemas.openxmlformats.org/officeDocument/2006/relationships" xmlns:p="http://schemas.openxmlformats.org/presentationml/2006/main">
-  <p:cSld>
-    <p:spTree>
-      <p:nvGrpSpPr>
-        <p:cNvPr id="1" name=""/>
-        <p:cNvGrpSpPr/>
-        <p:nvPr/>
-      </p:nvGrpSpPr>
-      <p:grpSpPr>
-        <a:xfrm>
-          <a:off x="0" y="0"/>
-          <a:ext cx="0" cy="0"/>
-          <a:chOff x="0" y="0"/>
-          <a:chExt cx="0" cy="0"/>
-        </a:xfrm>
-      </p:grpSpPr>
-      <p:sp>
-        <p:nvSpPr>
-          <p:cNvPr id="2" name="Title 1">
-            <a:extLst>
-              <a:ext uri="{FF2B5EF4-FFF2-40B4-BE49-F238E27FC236}">
-                <a16:creationId xmlns:a16="http://schemas.microsoft.com/office/drawing/2014/main" id="{A981A8E5-B989-0A46-AAFD-1AA000498B5C}"/>
-              </a:ext>
-            </a:extLst>
-          </p:cNvPr>
-          <p:cNvSpPr>
-            <a:spLocks noGrp="1"/>
-          </p:cNvSpPr>
-          <p:nvPr>
-            <p:ph type="title"/>
-          </p:nvPr>
-        </p:nvSpPr>
-        <p:spPr/>
-        <p:txBody>
-          <a:bodyPr/>
-          <a:lstStyle/>
-          <a:p>
-            <a:r>
-              <a:rPr lang="en-US" dirty="0"/>
-              <a:t>Agile software development with scrum</a:t>
-            </a:r>
-          </a:p>
-        </p:txBody>
-      </p:sp>
-      <p:pic>
-        <p:nvPicPr>
-          <p:cNvPr id="5" name="Picture 4">
-            <a:extLst>
-              <a:ext uri="{FF2B5EF4-FFF2-40B4-BE49-F238E27FC236}">
-                <a16:creationId xmlns:a16="http://schemas.microsoft.com/office/drawing/2014/main" id="{58DF439A-92A5-324A-8D73-F14DF57B45AF}"/>
-              </a:ext>
-            </a:extLst>
-          </p:cNvPr>
-          <p:cNvPicPr>
-            <a:picLocks noChangeAspect="1"/>
-          </p:cNvPicPr>
-          <p:nvPr/>
-        </p:nvPicPr>
-        <p:blipFill>
-          <a:blip r:embed="rId2"/>
-          <a:stretch>
-            <a:fillRect/>
-          </a:stretch>
-        </p:blipFill>
-        <p:spPr>
-          <a:xfrm>
-            <a:off x="1141413" y="1811338"/>
-            <a:ext cx="10147300" cy="4711700"/>
-          </a:xfrm>
-          <a:prstGeom prst="rect">
-            <a:avLst/>
-          </a:prstGeom>
-          <a:solidFill>
-            <a:schemeClr val="accent2">
-              <a:lumMod val="20000"/>
-              <a:lumOff val="80000"/>
-            </a:schemeClr>
-          </a:solidFill>
-        </p:spPr>
-      </p:pic>
-    </p:spTree>
-    <p:extLst>
-      <p:ext uri="{BB962C8B-B14F-4D97-AF65-F5344CB8AC3E}">
-        <p14:creationId xmlns:p14="http://schemas.microsoft.com/office/powerpoint/2010/main" val="2162407912"/>
-      </p:ext>
-    </p:extLst>
-  </p:cSld>
-  <p:clrMapOvr>
-    <a:masterClrMapping/>
-  </p:clrMapOvr>
-</p:sld>
-</file>
-
-<file path=ppt/slides/slide61.xml><?xml version="1.0" encoding="utf-8"?>
-<p:sld xmlns:a="http://schemas.openxmlformats.org/drawingml/2006/main" xmlns:r="http://schemas.openxmlformats.org/officeDocument/2006/relationships" xmlns:p="http://schemas.openxmlformats.org/presentationml/2006/main">
-  <p:cSld>
-    <p:spTree>
-      <p:nvGrpSpPr>
-        <p:cNvPr id="1" name=""/>
-        <p:cNvGrpSpPr/>
-        <p:nvPr/>
-      </p:nvGrpSpPr>
-      <p:grpSpPr>
-        <a:xfrm>
-          <a:off x="0" y="0"/>
-          <a:ext cx="0" cy="0"/>
-          <a:chOff x="0" y="0"/>
-          <a:chExt cx="0" cy="0"/>
-        </a:xfrm>
-      </p:grpSpPr>
-      <p:sp>
-        <p:nvSpPr>
-          <p:cNvPr id="2" name="Title 1">
-            <a:extLst>
-              <a:ext uri="{FF2B5EF4-FFF2-40B4-BE49-F238E27FC236}">
-                <a16:creationId xmlns:a16="http://schemas.microsoft.com/office/drawing/2014/main" id="{BDF82E6D-3091-3C48-8B6D-65D3423F8B9F}"/>
-              </a:ext>
-            </a:extLst>
-          </p:cNvPr>
-          <p:cNvSpPr>
-            <a:spLocks noGrp="1"/>
-          </p:cNvSpPr>
-          <p:nvPr>
-            <p:ph type="title"/>
-          </p:nvPr>
-        </p:nvSpPr>
-        <p:spPr/>
-        <p:txBody>
-          <a:bodyPr/>
-          <a:lstStyle/>
-          <a:p>
-            <a:r>
-              <a:rPr lang="en-US" dirty="0"/>
-              <a:t>UP vs Agile</a:t>
-            </a:r>
-          </a:p>
-        </p:txBody>
-      </p:sp>
-      <p:sp>
-        <p:nvSpPr>
-          <p:cNvPr id="3" name="Content Placeholder 2">
-            <a:extLst>
-              <a:ext uri="{FF2B5EF4-FFF2-40B4-BE49-F238E27FC236}">
-                <a16:creationId xmlns:a16="http://schemas.microsoft.com/office/drawing/2014/main" id="{BCD8A1BD-FF80-A74D-8D6A-E19A93928701}"/>
-              </a:ext>
-            </a:extLst>
-          </p:cNvPr>
-          <p:cNvSpPr>
-            <a:spLocks noGrp="1"/>
-          </p:cNvSpPr>
-          <p:nvPr>
-            <p:ph idx="1"/>
-          </p:nvPr>
-        </p:nvSpPr>
-        <p:spPr>
-          <a:xfrm>
-            <a:off x="1141412" y="1885950"/>
-            <a:ext cx="9905999" cy="4300537"/>
-          </a:xfrm>
-        </p:spPr>
-        <p:txBody>
-          <a:bodyPr>
-            <a:normAutofit/>
-          </a:bodyPr>
-          <a:lstStyle/>
-          <a:p>
-            <a:r>
-              <a:rPr lang="en-US" dirty="0"/>
-              <a:t>UP is an iterative top down approach</a:t>
-            </a:r>
-          </a:p>
-          <a:p>
-            <a:pPr lvl="1"/>
-            <a:r>
-              <a:rPr lang="en-US" dirty="0"/>
-              <a:t>The aim of UP is to minimize change by carefully thinking about requirements and design before implementing anything</a:t>
-            </a:r>
-          </a:p>
-          <a:p>
-            <a:r>
-              <a:rPr lang="en-US" dirty="0"/>
-              <a:t>Agile is an iterative top down, bottom up approach</a:t>
-            </a:r>
-          </a:p>
-          <a:p>
-            <a:pPr lvl="1"/>
-            <a:r>
-              <a:rPr lang="en-US" dirty="0"/>
-              <a:t>The aim of Agile is to minimize work for developers, by releasing prototypes quickly and involving the users in each iteration</a:t>
-            </a:r>
-          </a:p>
-        </p:txBody>
-      </p:sp>
-    </p:spTree>
-    <p:extLst>
-      <p:ext uri="{BB962C8B-B14F-4D97-AF65-F5344CB8AC3E}">
-        <p14:creationId xmlns:p14="http://schemas.microsoft.com/office/powerpoint/2010/main" val="572493948"/>
-      </p:ext>
-    </p:extLst>
-  </p:cSld>
-  <p:clrMapOvr>
-    <a:masterClrMapping/>
-  </p:clrMapOvr>
-</p:sld>
-</file>
-
-<file path=ppt/slides/slide62.xml><?xml version="1.0" encoding="utf-8"?>
-<p:sld xmlns:a="http://schemas.openxmlformats.org/drawingml/2006/main" xmlns:r="http://schemas.openxmlformats.org/officeDocument/2006/relationships" xmlns:p="http://schemas.openxmlformats.org/presentationml/2006/main">
-  <p:cSld>
-    <p:spTree>
-      <p:nvGrpSpPr>
-        <p:cNvPr id="1" name=""/>
-        <p:cNvGrpSpPr/>
-        <p:nvPr/>
-      </p:nvGrpSpPr>
-      <p:grpSpPr>
-        <a:xfrm>
-          <a:off x="0" y="0"/>
-          <a:ext cx="0" cy="0"/>
-          <a:chOff x="0" y="0"/>
-          <a:chExt cx="0" cy="0"/>
-        </a:xfrm>
-      </p:grpSpPr>
-      <p:sp>
-        <p:nvSpPr>
-          <p:cNvPr id="2" name="Title 1">
-            <a:extLst>
-              <a:ext uri="{FF2B5EF4-FFF2-40B4-BE49-F238E27FC236}">
-                <a16:creationId xmlns:a16="http://schemas.microsoft.com/office/drawing/2014/main" id="{78D9AC05-20D6-7F46-8F1C-C965B2D5617F}"/>
-              </a:ext>
-            </a:extLst>
-          </p:cNvPr>
-          <p:cNvSpPr>
-            <a:spLocks noGrp="1"/>
-          </p:cNvSpPr>
-          <p:nvPr>
-            <p:ph type="title"/>
-          </p:nvPr>
-        </p:nvSpPr>
-        <p:spPr/>
-        <p:txBody>
-          <a:bodyPr/>
-          <a:lstStyle/>
-          <a:p>
-            <a:r>
-              <a:rPr lang="en-US" dirty="0"/>
-              <a:t>Material covered</a:t>
-            </a:r>
-          </a:p>
-        </p:txBody>
-      </p:sp>
-      <p:sp>
-        <p:nvSpPr>
-          <p:cNvPr id="3" name="Content Placeholder 2">
-            <a:extLst>
-              <a:ext uri="{FF2B5EF4-FFF2-40B4-BE49-F238E27FC236}">
-                <a16:creationId xmlns:a16="http://schemas.microsoft.com/office/drawing/2014/main" id="{BC96A8AC-CECC-A64F-B6FB-22124376D17A}"/>
-              </a:ext>
-            </a:extLst>
-          </p:cNvPr>
-          <p:cNvSpPr>
-            <a:spLocks noGrp="1"/>
-          </p:cNvSpPr>
-          <p:nvPr>
-            <p:ph idx="1"/>
-          </p:nvPr>
-        </p:nvSpPr>
-        <p:spPr/>
-        <p:txBody>
-          <a:bodyPr>
-            <a:normAutofit/>
-          </a:bodyPr>
-          <a:lstStyle/>
-          <a:p>
-            <a:r>
-              <a:rPr lang="en-US" dirty="0"/>
-              <a:t>Rational Unified Process Whitepaper - available on the MSO website</a:t>
-            </a:r>
-          </a:p>
-          <a:p>
-            <a:r>
-              <a:rPr lang="en-US" dirty="0"/>
-              <a:t>Craig </a:t>
-            </a:r>
-            <a:r>
-              <a:rPr lang="en-US" dirty="0" err="1"/>
-              <a:t>Larman</a:t>
-            </a:r>
-            <a:r>
-              <a:rPr lang="en-US" dirty="0"/>
-              <a:t>. Applying UML and Patterns. Pearson Education. 2002. Chapters 1-7</a:t>
-            </a:r>
-          </a:p>
-        </p:txBody>
-      </p:sp>
-    </p:spTree>
-    <p:extLst>
-      <p:ext uri="{BB962C8B-B14F-4D97-AF65-F5344CB8AC3E}">
-        <p14:creationId xmlns:p14="http://schemas.microsoft.com/office/powerpoint/2010/main" val="1471185114"/>
       </p:ext>
     </p:extLst>
   </p:cSld>
